--- a/2D게임프로그래밍 2차 발표.pptx
+++ b/2D게임프로그래밍 2차 발표.pptx
@@ -264,7 +264,7 @@
           <a:p>
             <a:fld id="{B6BCFE7F-957C-49BC-B092-9B569572CE76}" type="datetimeFigureOut">
               <a:rPr lang="ko-KR" altLang="en-US" smtClean="0"/>
-              <a:t>2025-11-10</a:t>
+              <a:t>2025-12-07</a:t>
             </a:fld>
             <a:endParaRPr lang="ko-KR" altLang="en-US"/>
           </a:p>
@@ -462,7 +462,7 @@
           <a:p>
             <a:fld id="{B6BCFE7F-957C-49BC-B092-9B569572CE76}" type="datetimeFigureOut">
               <a:rPr lang="ko-KR" altLang="en-US" smtClean="0"/>
-              <a:t>2025-11-10</a:t>
+              <a:t>2025-12-07</a:t>
             </a:fld>
             <a:endParaRPr lang="ko-KR" altLang="en-US"/>
           </a:p>
@@ -670,7 +670,7 @@
           <a:p>
             <a:fld id="{B6BCFE7F-957C-49BC-B092-9B569572CE76}" type="datetimeFigureOut">
               <a:rPr lang="ko-KR" altLang="en-US" smtClean="0"/>
-              <a:t>2025-11-10</a:t>
+              <a:t>2025-12-07</a:t>
             </a:fld>
             <a:endParaRPr lang="ko-KR" altLang="en-US"/>
           </a:p>
@@ -868,7 +868,7 @@
           <a:p>
             <a:fld id="{B6BCFE7F-957C-49BC-B092-9B569572CE76}" type="datetimeFigureOut">
               <a:rPr lang="ko-KR" altLang="en-US" smtClean="0"/>
-              <a:t>2025-11-10</a:t>
+              <a:t>2025-12-07</a:t>
             </a:fld>
             <a:endParaRPr lang="ko-KR" altLang="en-US"/>
           </a:p>
@@ -1143,7 +1143,7 @@
           <a:p>
             <a:fld id="{B6BCFE7F-957C-49BC-B092-9B569572CE76}" type="datetimeFigureOut">
               <a:rPr lang="ko-KR" altLang="en-US" smtClean="0"/>
-              <a:t>2025-11-10</a:t>
+              <a:t>2025-12-07</a:t>
             </a:fld>
             <a:endParaRPr lang="ko-KR" altLang="en-US"/>
           </a:p>
@@ -1408,7 +1408,7 @@
           <a:p>
             <a:fld id="{B6BCFE7F-957C-49BC-B092-9B569572CE76}" type="datetimeFigureOut">
               <a:rPr lang="ko-KR" altLang="en-US" smtClean="0"/>
-              <a:t>2025-11-10</a:t>
+              <a:t>2025-12-07</a:t>
             </a:fld>
             <a:endParaRPr lang="ko-KR" altLang="en-US"/>
           </a:p>
@@ -1820,7 +1820,7 @@
           <a:p>
             <a:fld id="{B6BCFE7F-957C-49BC-B092-9B569572CE76}" type="datetimeFigureOut">
               <a:rPr lang="ko-KR" altLang="en-US" smtClean="0"/>
-              <a:t>2025-11-10</a:t>
+              <a:t>2025-12-07</a:t>
             </a:fld>
             <a:endParaRPr lang="ko-KR" altLang="en-US"/>
           </a:p>
@@ -1961,7 +1961,7 @@
           <a:p>
             <a:fld id="{B6BCFE7F-957C-49BC-B092-9B569572CE76}" type="datetimeFigureOut">
               <a:rPr lang="ko-KR" altLang="en-US" smtClean="0"/>
-              <a:t>2025-11-10</a:t>
+              <a:t>2025-12-07</a:t>
             </a:fld>
             <a:endParaRPr lang="ko-KR" altLang="en-US"/>
           </a:p>
@@ -2074,7 +2074,7 @@
           <a:p>
             <a:fld id="{B6BCFE7F-957C-49BC-B092-9B569572CE76}" type="datetimeFigureOut">
               <a:rPr lang="ko-KR" altLang="en-US" smtClean="0"/>
-              <a:t>2025-11-10</a:t>
+              <a:t>2025-12-07</a:t>
             </a:fld>
             <a:endParaRPr lang="ko-KR" altLang="en-US"/>
           </a:p>
@@ -2385,7 +2385,7 @@
           <a:p>
             <a:fld id="{B6BCFE7F-957C-49BC-B092-9B569572CE76}" type="datetimeFigureOut">
               <a:rPr lang="ko-KR" altLang="en-US" smtClean="0"/>
-              <a:t>2025-11-10</a:t>
+              <a:t>2025-12-07</a:t>
             </a:fld>
             <a:endParaRPr lang="ko-KR" altLang="en-US"/>
           </a:p>
@@ -2673,7 +2673,7 @@
           <a:p>
             <a:fld id="{B6BCFE7F-957C-49BC-B092-9B569572CE76}" type="datetimeFigureOut">
               <a:rPr lang="ko-KR" altLang="en-US" smtClean="0"/>
-              <a:t>2025-11-10</a:t>
+              <a:t>2025-12-07</a:t>
             </a:fld>
             <a:endParaRPr lang="ko-KR" altLang="en-US"/>
           </a:p>
@@ -2914,7 +2914,7 @@
           <a:p>
             <a:fld id="{B6BCFE7F-957C-49BC-B092-9B569572CE76}" type="datetimeFigureOut">
               <a:rPr lang="ko-KR" altLang="en-US" smtClean="0"/>
-              <a:t>2025-11-10</a:t>
+              <a:t>2025-12-07</a:t>
             </a:fld>
             <a:endParaRPr lang="ko-KR" altLang="en-US"/>
           </a:p>
@@ -3369,12 +3369,8 @@
               <a:rPr lang="en-US" altLang="ko-KR"/>
             </a:br>
             <a:r>
-              <a:rPr lang="en-US" altLang="ko-KR"/>
-              <a:t>2</a:t>
-            </a:r>
-            <a:r>
               <a:rPr lang="ko-KR" altLang="en-US"/>
-              <a:t>차 발표</a:t>
+              <a:t>최종 발표</a:t>
             </a:r>
             <a:endParaRPr lang="ko-KR" altLang="en-US" dirty="0"/>
           </a:p>
@@ -3487,14 +3483,14 @@
           <p:nvPr>
             <p:extLst>
               <p:ext uri="{D42A27DB-BD31-4B8C-83A1-F6EECF244321}">
-                <p14:modId xmlns:p14="http://schemas.microsoft.com/office/powerpoint/2010/main" val="4133348298"/>
+                <p14:modId xmlns:p14="http://schemas.microsoft.com/office/powerpoint/2010/main" val="3830643636"/>
               </p:ext>
             </p:extLst>
           </p:nvPr>
         </p:nvGraphicFramePr>
         <p:xfrm>
           <a:off x="2978596" y="1330560"/>
-          <a:ext cx="5817673" cy="5485725"/>
+          <a:ext cx="5817673" cy="5302845"/>
         </p:xfrm>
         <a:graphic>
           <a:graphicData uri="http://schemas.openxmlformats.org/drawingml/2006/table">
@@ -4036,7 +4032,7 @@
                             <a:schemeClr val="tx1"/>
                           </a:solidFill>
                         </a:rPr>
-                        <a:t>80%</a:t>
+                        <a:t>100%</a:t>
                       </a:r>
                       <a:endParaRPr lang="ko-KR" altLang="en-US" sz="1200" b="0" dirty="0">
                         <a:solidFill>
@@ -4157,23 +4153,15 @@
                             <a:schemeClr val="tx1"/>
                           </a:solidFill>
                         </a:rPr>
-                        <a:t>마을 구현 </a:t>
+                        <a:t>마을</a:t>
                       </a:r>
-                      <a:endParaRPr lang="en-US" altLang="ko-KR" sz="1200" b="0">
-                        <a:solidFill>
-                          <a:schemeClr val="tx1"/>
-                        </a:solidFill>
-                      </a:endParaRPr>
-                    </a:p>
-                    <a:p>
-                      <a:pPr latinLnBrk="1"/>
                       <a:r>
                         <a:rPr lang="en-US" altLang="ko-KR" sz="1200" b="0">
                           <a:solidFill>
                             <a:schemeClr val="tx1"/>
                           </a:solidFill>
                         </a:rPr>
-                        <a:t>NPC </a:t>
+                        <a:t>,NPC</a:t>
                       </a:r>
                       <a:r>
                         <a:rPr lang="ko-KR" altLang="en-US" sz="1200" b="0">
@@ -4181,9 +4169,9 @@
                             <a:schemeClr val="tx1"/>
                           </a:solidFill>
                         </a:rPr>
-                        <a:t>대화 미구현</a:t>
+                        <a:t>대화 구현 </a:t>
                       </a:r>
-                      <a:endParaRPr lang="ko-KR" altLang="en-US" sz="1200" b="0" dirty="0">
+                      <a:endParaRPr lang="en-US" altLang="ko-KR" sz="1200" b="0">
                         <a:solidFill>
                           <a:schemeClr val="tx1"/>
                         </a:solidFill>
@@ -4339,7 +4327,7 @@
                     <a:p>
                       <a:pPr latinLnBrk="1"/>
                       <a:r>
-                        <a:rPr lang="ko-KR" altLang="en-US" sz="1200" b="0" dirty="0">
+                        <a:rPr lang="ko-KR" altLang="en-US" sz="1200" b="0">
                           <a:solidFill>
                             <a:schemeClr val="tx1"/>
                           </a:solidFill>
@@ -4347,12 +4335,28 @@
                         <a:t>스테이지</a:t>
                       </a:r>
                       <a:r>
-                        <a:rPr lang="en-US" altLang="ko-KR" sz="1200" b="0" dirty="0">
+                        <a:rPr lang="en-US" altLang="ko-KR" sz="1200" b="0">
                           <a:solidFill>
                             <a:schemeClr val="tx1"/>
                           </a:solidFill>
                         </a:rPr>
-                        <a:t>1,2, </a:t>
+                        <a:t>15</a:t>
+                      </a:r>
+                      <a:r>
+                        <a:rPr lang="ko-KR" altLang="en-US" sz="1200" b="0">
+                          <a:solidFill>
+                            <a:schemeClr val="tx1"/>
+                          </a:solidFill>
+                        </a:rPr>
+                        <a:t>개</a:t>
+                      </a:r>
+                      <a:r>
+                        <a:rPr lang="en-US" altLang="ko-KR" sz="1200" b="0">
+                          <a:solidFill>
+                            <a:schemeClr val="tx1"/>
+                          </a:solidFill>
+                        </a:rPr>
+                        <a:t> </a:t>
                       </a:r>
                       <a:r>
                         <a:rPr lang="ko-KR" altLang="en-US" sz="1200" b="0" dirty="0">
@@ -4509,30 +4513,6 @@
                     <a:lstStyle/>
                     <a:p>
                       <a:pPr latinLnBrk="1"/>
-                      <a:r>
-                        <a:rPr lang="ko-KR" altLang="en-US" sz="1200" b="0">
-                          <a:solidFill>
-                            <a:schemeClr val="tx1"/>
-                          </a:solidFill>
-                        </a:rPr>
-                        <a:t>스테이지 </a:t>
-                      </a:r>
-                      <a:r>
-                        <a:rPr lang="en-US" altLang="ko-KR" sz="1200" b="0">
-                          <a:solidFill>
-                            <a:schemeClr val="tx1"/>
-                          </a:solidFill>
-                        </a:rPr>
-                        <a:t>1,2,3, </a:t>
-                      </a:r>
-                      <a:r>
-                        <a:rPr lang="ko-KR" altLang="en-US" sz="1200" b="0">
-                          <a:solidFill>
-                            <a:schemeClr val="tx1"/>
-                          </a:solidFill>
-                        </a:rPr>
-                        <a:t>기본공격 거품</a:t>
-                      </a:r>
                       <a:endParaRPr lang="ko-KR" altLang="en-US" sz="1200" b="0" dirty="0">
                         <a:solidFill>
                           <a:schemeClr val="tx1"/>
@@ -4776,7 +4756,7 @@
                             <a:schemeClr val="tx1"/>
                           </a:solidFill>
                         </a:rPr>
-                        <a:t>80%</a:t>
+                        <a:t>100%</a:t>
                       </a:r>
                       <a:endParaRPr lang="ko-KR" altLang="en-US" sz="1200" b="0" dirty="0">
                         <a:solidFill>
@@ -4873,7 +4853,7 @@
                             <a:schemeClr val="tx1"/>
                           </a:solidFill>
                         </a:rPr>
-                        <a:t>5</a:t>
+                        <a:t>11</a:t>
                       </a:r>
                       <a:r>
                         <a:rPr lang="ko-KR" altLang="en-US" sz="1200" b="0">
@@ -4905,7 +4885,7 @@
                             <a:schemeClr val="tx1"/>
                           </a:solidFill>
                         </a:rPr>
-                        <a:t>1</a:t>
+                        <a:t>10</a:t>
                       </a:r>
                       <a:r>
                         <a:rPr lang="ko-KR" altLang="en-US" sz="1200" b="0">
@@ -5150,7 +5130,7 @@
                             <a:schemeClr val="tx1"/>
                           </a:solidFill>
                         </a:rPr>
-                        <a:t>90%</a:t>
+                        <a:t>100%</a:t>
                       </a:r>
                       <a:endParaRPr lang="ko-KR" altLang="en-US" sz="1200" b="0" dirty="0">
                         <a:solidFill>
@@ -5397,13 +5377,58 @@
                     <a:p>
                       <a:pPr latinLnBrk="1"/>
                       <a:r>
-                        <a:rPr lang="ko-KR" altLang="en-US" sz="1200" b="0" dirty="0">
+                        <a:rPr lang="ko-KR" altLang="en-US" sz="1200" b="0">
                           <a:solidFill>
                             <a:schemeClr val="tx1"/>
                           </a:solidFill>
                         </a:rPr>
-                        <a:t>보스 구현</a:t>
+                        <a:t>보스 구현 </a:t>
                       </a:r>
+                      <a:r>
+                        <a:rPr lang="en-US" altLang="ko-KR" sz="1200" b="0">
+                          <a:solidFill>
+                            <a:schemeClr val="tx1"/>
+                          </a:solidFill>
+                        </a:rPr>
+                        <a:t>(</a:t>
+                      </a:r>
+                      <a:r>
+                        <a:rPr lang="ko-KR" altLang="en-US" sz="1200" b="0">
+                          <a:solidFill>
+                            <a:schemeClr val="tx1"/>
+                          </a:solidFill>
+                        </a:rPr>
+                        <a:t>롱스톤</a:t>
+                      </a:r>
+                      <a:r>
+                        <a:rPr lang="en-US" altLang="ko-KR" sz="1200" b="0">
+                          <a:solidFill>
+                            <a:schemeClr val="tx1"/>
+                          </a:solidFill>
+                        </a:rPr>
+                        <a:t>, </a:t>
+                      </a:r>
+                      <a:r>
+                        <a:rPr lang="ko-KR" altLang="en-US" sz="1200" b="0">
+                          <a:solidFill>
+                            <a:schemeClr val="tx1"/>
+                          </a:solidFill>
+                        </a:rPr>
+                        <a:t>리자몽</a:t>
+                      </a:r>
+                      <a:r>
+                        <a:rPr lang="en-US" altLang="ko-KR" sz="1200" b="0">
+                          <a:solidFill>
+                            <a:schemeClr val="tx1"/>
+                          </a:solidFill>
+                        </a:rPr>
+                        <a:t>)</a:t>
+                      </a:r>
+                      <a:endParaRPr lang="ko-KR" altLang="en-US" sz="1200" b="0" dirty="0">
+                        <a:solidFill>
+                          <a:schemeClr val="tx1"/>
+                        </a:solidFill>
+                      </a:endParaRPr>
                     </a:p>
                   </a:txBody>
                   <a:tcPr>
@@ -5462,6 +5487,14 @@
                     <a:lstStyle/>
                     <a:p>
                       <a:pPr latinLnBrk="1"/>
+                      <a:r>
+                        <a:rPr lang="en-US" altLang="ko-KR" sz="1200" b="0">
+                          <a:solidFill>
+                            <a:schemeClr val="tx1"/>
+                          </a:solidFill>
+                        </a:rPr>
+                        <a:t>100%</a:t>
+                      </a:r>
                       <a:endParaRPr lang="ko-KR" altLang="en-US" sz="1200" b="0" dirty="0">
                         <a:solidFill>
                           <a:schemeClr val="tx1"/>
@@ -5543,6 +5576,14 @@
                     <a:lstStyle/>
                     <a:p>
                       <a:pPr latinLnBrk="1"/>
+                      <a:r>
+                        <a:rPr lang="ko-KR" altLang="en-US" sz="1200" b="0">
+                          <a:solidFill>
+                            <a:schemeClr val="tx1"/>
+                          </a:solidFill>
+                        </a:rPr>
+                        <a:t>보스룸 입장 시 컷신 추가</a:t>
+                      </a:r>
                       <a:endParaRPr lang="ko-KR" altLang="en-US" sz="1200" b="0" dirty="0">
                         <a:solidFill>
                           <a:schemeClr val="tx1"/>
@@ -5764,6 +5805,14 @@
                     <a:lstStyle/>
                     <a:p>
                       <a:pPr latinLnBrk="1"/>
+                      <a:r>
+                        <a:rPr lang="en-US" altLang="ko-KR" sz="1200" b="0">
+                          <a:solidFill>
+                            <a:schemeClr val="tx1"/>
+                          </a:solidFill>
+                        </a:rPr>
+                        <a:t>100%</a:t>
+                      </a:r>
                       <a:endParaRPr lang="ko-KR" altLang="en-US" sz="1200" b="0" dirty="0">
                         <a:solidFill>
                           <a:schemeClr val="tx1"/>
@@ -6066,6 +6115,14 @@
                     <a:lstStyle/>
                     <a:p>
                       <a:pPr latinLnBrk="1"/>
+                      <a:r>
+                        <a:rPr lang="en-US" altLang="ko-KR" sz="1200" b="0">
+                          <a:solidFill>
+                            <a:schemeClr val="tx1"/>
+                          </a:solidFill>
+                        </a:rPr>
+                        <a:t>100%</a:t>
+                      </a:r>
                       <a:endParaRPr lang="ko-KR" altLang="en-US" sz="1200" b="0" dirty="0">
                         <a:solidFill>
                           <a:schemeClr val="tx1"/>
@@ -6147,6 +6204,14 @@
                     <a:lstStyle/>
                     <a:p>
                       <a:pPr latinLnBrk="1"/>
+                      <a:r>
+                        <a:rPr lang="ko-KR" altLang="en-US" sz="1200" b="0">
+                          <a:solidFill>
+                            <a:schemeClr val="tx1"/>
+                          </a:solidFill>
+                        </a:rPr>
+                        <a:t>처음부터 캐릭터를 변경할 수 있도록 수정</a:t>
+                      </a:r>
                       <a:endParaRPr lang="ko-KR" altLang="en-US" sz="1200" b="0" dirty="0">
                         <a:solidFill>
                           <a:schemeClr val="tx1"/>
@@ -6368,6 +6433,14 @@
                     <a:lstStyle/>
                     <a:p>
                       <a:pPr latinLnBrk="1"/>
+                      <a:r>
+                        <a:rPr lang="en-US" altLang="ko-KR" sz="1200" b="0">
+                          <a:solidFill>
+                            <a:schemeClr val="tx1"/>
+                          </a:solidFill>
+                        </a:rPr>
+                        <a:t>100%</a:t>
+                      </a:r>
                       <a:endParaRPr lang="ko-KR" altLang="en-US" sz="1200" b="0" dirty="0">
                         <a:solidFill>
                           <a:schemeClr val="tx1"/>
@@ -6449,6 +6522,14 @@
                     <a:lstStyle/>
                     <a:p>
                       <a:pPr latinLnBrk="1"/>
+                      <a:r>
+                        <a:rPr lang="ko-KR" altLang="en-US" sz="1200" b="0">
+                          <a:solidFill>
+                            <a:schemeClr val="tx1"/>
+                          </a:solidFill>
+                        </a:rPr>
+                        <a:t>배경음악 추가</a:t>
+                      </a:r>
                       <a:endParaRPr lang="ko-KR" altLang="en-US" sz="1200" b="0" dirty="0">
                         <a:solidFill>
                           <a:schemeClr val="tx1"/>
